--- a/Lab 1/Presentation.pptx
+++ b/Lab 1/Presentation.pptx
@@ -8705,6 +8705,70 @@
           <a:fontRef idx="minor"/>
         </p:style>
       </p:sp>
+      <p:pic>
+        <p:nvPicPr>
+          <p:cNvPr id="1026" name="Picture 2"/>
+          <p:cNvPicPr>
+            <a:picLocks noChangeAspect="1" noChangeArrowheads="1"/>
+          </p:cNvPicPr>
+          <p:nvPr/>
+        </p:nvPicPr>
+        <p:blipFill>
+          <a:blip r:embed="rId4">
+            <a:extLst>
+              <a:ext uri="{28A0092B-C50C-407E-A947-70E740481C1C}">
+                <a14:useLocalDpi xmlns:a14="http://schemas.microsoft.com/office/drawing/2010/main" val="0"/>
+              </a:ext>
+            </a:extLst>
+          </a:blip>
+          <a:srcRect/>
+          <a:stretch>
+            <a:fillRect/>
+          </a:stretch>
+        </p:blipFill>
+        <p:spPr bwMode="auto">
+          <a:xfrm>
+            <a:off x="1691680" y="2044700"/>
+            <a:ext cx="5416550" cy="4813300"/>
+          </a:xfrm>
+          <a:prstGeom prst="rect">
+            <a:avLst/>
+          </a:prstGeom>
+          <a:noFill/>
+          <a:ln>
+            <a:noFill/>
+          </a:ln>
+          <a:effectLst/>
+          <a:extLst>
+            <a:ext uri="{909E8E84-426E-40DD-AFC4-6F175D3DCCD1}">
+              <a14:hiddenFill xmlns:a14="http://schemas.microsoft.com/office/drawing/2010/main">
+                <a:solidFill>
+                  <a:schemeClr val="accent1"/>
+                </a:solidFill>
+              </a14:hiddenFill>
+            </a:ext>
+            <a:ext uri="{91240B29-F687-4F45-9708-019B960494DF}">
+              <a14:hiddenLine xmlns:a14="http://schemas.microsoft.com/office/drawing/2010/main" w="9525">
+                <a:solidFill>
+                  <a:schemeClr val="tx1"/>
+                </a:solidFill>
+                <a:miter lim="800000"/>
+                <a:headEnd/>
+                <a:tailEnd/>
+              </a14:hiddenLine>
+            </a:ext>
+            <a:ext uri="{AF507438-7753-43E0-B8FC-AC1667EBCBE1}">
+              <a14:hiddenEffects xmlns:a14="http://schemas.microsoft.com/office/drawing/2010/main">
+                <a:effectLst>
+                  <a:outerShdw dist="35921" dir="2700000" algn="ctr" rotWithShape="0">
+                    <a:schemeClr val="bg2"/>
+                  </a:outerShdw>
+                </a:effectLst>
+              </a14:hiddenEffects>
+            </a:ext>
+          </a:extLst>
+        </p:spPr>
+      </p:pic>
     </p:spTree>
   </p:cSld>
   <p:clrMapOvr>

--- a/Lab 1/Presentation.pptx
+++ b/Lab 1/Presentation.pptx
@@ -9090,6 +9090,47 @@
           <a:fontRef idx="minor"/>
         </p:style>
       </p:sp>
+      <p:pic>
+        <p:nvPicPr>
+          <p:cNvPr id="1026" name="Picture 2" descr="C:\Users\Professional\Desktop\amis\Lab 1\usecase.png"/>
+          <p:cNvPicPr>
+            <a:picLocks noChangeAspect="1" noChangeArrowheads="1"/>
+          </p:cNvPicPr>
+          <p:nvPr/>
+        </p:nvPicPr>
+        <p:blipFill>
+          <a:blip r:embed="rId4">
+            <a:extLst>
+              <a:ext uri="{28A0092B-C50C-407E-A947-70E740481C1C}">
+                <a14:useLocalDpi xmlns:a14="http://schemas.microsoft.com/office/drawing/2010/main" val="0"/>
+              </a:ext>
+            </a:extLst>
+          </a:blip>
+          <a:srcRect/>
+          <a:stretch>
+            <a:fillRect/>
+          </a:stretch>
+        </p:blipFill>
+        <p:spPr bwMode="auto">
+          <a:xfrm>
+            <a:off x="701067" y="1556792"/>
+            <a:ext cx="7542213" cy="4400550"/>
+          </a:xfrm>
+          <a:prstGeom prst="rect">
+            <a:avLst/>
+          </a:prstGeom>
+          <a:noFill/>
+          <a:extLst>
+            <a:ext uri="{909E8E84-426E-40DD-AFC4-6F175D3DCCD1}">
+              <a14:hiddenFill xmlns:a14="http://schemas.microsoft.com/office/drawing/2010/main">
+                <a:solidFill>
+                  <a:srgbClr val="FFFFFF"/>
+                </a:solidFill>
+              </a14:hiddenFill>
+            </a:ext>
+          </a:extLst>
+        </p:spPr>
+      </p:pic>
     </p:spTree>
   </p:cSld>
   <p:clrMapOvr>

--- a/Lab 1/Presentation.pptx
+++ b/Lab 1/Presentation.pptx
@@ -6,7 +6,7 @@
     <p:sldMasterId id="2147483661" r:id="rId2"/>
   </p:sldMasterIdLst>
   <p:notesMasterIdLst>
-    <p:notesMasterId r:id="rId12"/>
+    <p:notesMasterId r:id="rId14"/>
   </p:notesMasterIdLst>
   <p:sldIdLst>
     <p:sldId id="256" r:id="rId3"/>
@@ -17,7 +17,9 @@
     <p:sldId id="261" r:id="rId8"/>
     <p:sldId id="262" r:id="rId9"/>
     <p:sldId id="263" r:id="rId10"/>
-    <p:sldId id="264" r:id="rId11"/>
+    <p:sldId id="265" r:id="rId11"/>
+    <p:sldId id="266" r:id="rId12"/>
+    <p:sldId id="264" r:id="rId13"/>
   </p:sldIdLst>
   <p:sldSz cx="9144000" cy="6858000" type="screen4x3"/>
   <p:notesSz cx="7102475" cy="10233025"/>
@@ -1923,6 +1925,184 @@
 </p:notes>
 </file>
 
+<file path=ppt/notesSlides/notesSlide7.xml><?xml version="1.0" encoding="utf-8"?>
+<p:notes xmlns:a="http://schemas.openxmlformats.org/drawingml/2006/main" xmlns:r="http://schemas.openxmlformats.org/officeDocument/2006/relationships" xmlns:p="http://schemas.openxmlformats.org/presentationml/2006/main">
+  <p:cSld>
+    <p:spTree>
+      <p:nvGrpSpPr>
+        <p:cNvPr id="1" name=""/>
+        <p:cNvGrpSpPr/>
+        <p:nvPr/>
+      </p:nvGrpSpPr>
+      <p:grpSpPr>
+        <a:xfrm>
+          <a:off x="0" y="0"/>
+          <a:ext cx="0" cy="0"/>
+          <a:chOff x="0" y="0"/>
+          <a:chExt cx="0" cy="0"/>
+        </a:xfrm>
+      </p:grpSpPr>
+      <p:sp>
+        <p:nvSpPr>
+          <p:cNvPr id="149" name="PlaceHolder 1"/>
+          <p:cNvSpPr>
+            <a:spLocks noGrp="1"/>
+          </p:cNvSpPr>
+          <p:nvPr>
+            <p:ph type="body"/>
+          </p:nvPr>
+        </p:nvSpPr>
+        <p:spPr>
+          <a:xfrm>
+            <a:off x="709560" y="4861080"/>
+            <a:ext cx="5682600" cy="4604760"/>
+          </a:xfrm>
+          <a:prstGeom prst="rect">
+            <a:avLst/>
+          </a:prstGeom>
+        </p:spPr>
+        <p:txBody>
+          <a:bodyPr lIns="0" tIns="91440" rIns="0" bIns="91440"/>
+          <a:lstStyle/>
+          <a:p>
+            <a:pPr marL="216000" indent="-216000">
+              <a:lnSpc>
+                <a:spcPct val="100000"/>
+              </a:lnSpc>
+            </a:pPr>
+            <a:r>
+              <a:rPr lang="en-US" sz="1800" b="0" strike="noStrike" spc="-1">
+                <a:solidFill>
+                  <a:srgbClr val="000000"/>
+                </a:solidFill>
+                <a:latin typeface="Arial"/>
+                <a:ea typeface="Arial"/>
+              </a:rPr>
+              <a:t>Створити гіперпосилання на адресу прототипу. Кнопка.</a:t>
+            </a:r>
+            <a:endParaRPr lang="en-US" sz="1800" b="0" strike="noStrike" spc="-1">
+              <a:latin typeface="Arial"/>
+            </a:endParaRPr>
+          </a:p>
+        </p:txBody>
+      </p:sp>
+      <p:sp>
+        <p:nvSpPr>
+          <p:cNvPr id="150" name="PlaceHolder 2"/>
+          <p:cNvSpPr>
+            <a:spLocks noGrp="1" noRot="1" noChangeAspect="1"/>
+          </p:cNvSpPr>
+          <p:nvPr>
+            <p:ph type="sldImg"/>
+          </p:nvPr>
+        </p:nvSpPr>
+        <p:spPr>
+          <a:xfrm>
+            <a:off x="992188" y="766763"/>
+            <a:ext cx="5118100" cy="3838575"/>
+          </a:xfrm>
+          <a:prstGeom prst="rect">
+            <a:avLst/>
+          </a:prstGeom>
+        </p:spPr>
+      </p:sp>
+    </p:spTree>
+  </p:cSld>
+  <p:clrMapOvr>
+    <a:masterClrMapping/>
+  </p:clrMapOvr>
+</p:notes>
+</file>
+
+<file path=ppt/notesSlides/notesSlide8.xml><?xml version="1.0" encoding="utf-8"?>
+<p:notes xmlns:a="http://schemas.openxmlformats.org/drawingml/2006/main" xmlns:r="http://schemas.openxmlformats.org/officeDocument/2006/relationships" xmlns:p="http://schemas.openxmlformats.org/presentationml/2006/main">
+  <p:cSld>
+    <p:spTree>
+      <p:nvGrpSpPr>
+        <p:cNvPr id="1" name=""/>
+        <p:cNvGrpSpPr/>
+        <p:nvPr/>
+      </p:nvGrpSpPr>
+      <p:grpSpPr>
+        <a:xfrm>
+          <a:off x="0" y="0"/>
+          <a:ext cx="0" cy="0"/>
+          <a:chOff x="0" y="0"/>
+          <a:chExt cx="0" cy="0"/>
+        </a:xfrm>
+      </p:grpSpPr>
+      <p:sp>
+        <p:nvSpPr>
+          <p:cNvPr id="149" name="PlaceHolder 1"/>
+          <p:cNvSpPr>
+            <a:spLocks noGrp="1"/>
+          </p:cNvSpPr>
+          <p:nvPr>
+            <p:ph type="body"/>
+          </p:nvPr>
+        </p:nvSpPr>
+        <p:spPr>
+          <a:xfrm>
+            <a:off x="709560" y="4861080"/>
+            <a:ext cx="5682600" cy="4604760"/>
+          </a:xfrm>
+          <a:prstGeom prst="rect">
+            <a:avLst/>
+          </a:prstGeom>
+        </p:spPr>
+        <p:txBody>
+          <a:bodyPr lIns="0" tIns="91440" rIns="0" bIns="91440"/>
+          <a:lstStyle/>
+          <a:p>
+            <a:pPr marL="216000" indent="-216000">
+              <a:lnSpc>
+                <a:spcPct val="100000"/>
+              </a:lnSpc>
+            </a:pPr>
+            <a:r>
+              <a:rPr lang="en-US" sz="1800" b="0" strike="noStrike" spc="-1">
+                <a:solidFill>
+                  <a:srgbClr val="000000"/>
+                </a:solidFill>
+                <a:latin typeface="Arial"/>
+                <a:ea typeface="Arial"/>
+              </a:rPr>
+              <a:t>Створити гіперпосилання на адресу прототипу. Кнопка.</a:t>
+            </a:r>
+            <a:endParaRPr lang="en-US" sz="1800" b="0" strike="noStrike" spc="-1">
+              <a:latin typeface="Arial"/>
+            </a:endParaRPr>
+          </a:p>
+        </p:txBody>
+      </p:sp>
+      <p:sp>
+        <p:nvSpPr>
+          <p:cNvPr id="150" name="PlaceHolder 2"/>
+          <p:cNvSpPr>
+            <a:spLocks noGrp="1" noRot="1" noChangeAspect="1"/>
+          </p:cNvSpPr>
+          <p:nvPr>
+            <p:ph type="sldImg"/>
+          </p:nvPr>
+        </p:nvSpPr>
+        <p:spPr>
+          <a:xfrm>
+            <a:off x="992188" y="766763"/>
+            <a:ext cx="5118100" cy="3838575"/>
+          </a:xfrm>
+          <a:prstGeom prst="rect">
+            <a:avLst/>
+          </a:prstGeom>
+        </p:spPr>
+      </p:sp>
+    </p:spTree>
+  </p:cSld>
+  <p:clrMapOvr>
+    <a:masterClrMapping/>
+  </p:clrMapOvr>
+</p:notes>
+</file>
+
 <file path=ppt/slideLayouts/slideLayout1.xml><?xml version="1.0" encoding="utf-8"?>
 <p:sldLayout xmlns:a="http://schemas.openxmlformats.org/drawingml/2006/main" xmlns:r="http://schemas.openxmlformats.org/officeDocument/2006/relationships" xmlns:p="http://schemas.openxmlformats.org/presentationml/2006/main" type="blank" preserve="1">
   <p:cSld name="Blank Slide">
@@ -5802,6 +5982,557 @@
             <a:endParaRPr lang="en-US" sz="1400" b="0" strike="noStrike" spc="-1">
               <a:latin typeface="Arial"/>
             </a:endParaRPr>
+          </a:p>
+        </p:txBody>
+      </p:sp>
+    </p:spTree>
+  </p:cSld>
+  <p:clrMapOvr>
+    <a:masterClrMapping/>
+  </p:clrMapOvr>
+  <p:timing>
+    <p:tnLst>
+      <p:par>
+        <p:cTn id="1" dur="indefinite" restart="never" nodeType="tmRoot">
+          <p:childTnLst>
+            <p:seq>
+              <p:cTn id="2" dur="indefinite" nodeType="mainSeq"/>
+              <p:prevCondLst>
+                <p:cond evt="onPrev" delay="0">
+                  <p:tgtEl>
+                    <p:sldTgt/>
+                  </p:tgtEl>
+                </p:cond>
+              </p:prevCondLst>
+              <p:nextCondLst>
+                <p:cond evt="onNext" delay="0">
+                  <p:tgtEl>
+                    <p:sldTgt/>
+                  </p:tgtEl>
+                </p:cond>
+              </p:nextCondLst>
+            </p:seq>
+          </p:childTnLst>
+        </p:cTn>
+      </p:par>
+    </p:tnLst>
+  </p:timing>
+</p:sld>
+</file>
+
+<file path=ppt/slides/slide10.xml><?xml version="1.0" encoding="utf-8"?>
+<p:sld xmlns:a="http://schemas.openxmlformats.org/drawingml/2006/main" xmlns:r="http://schemas.openxmlformats.org/officeDocument/2006/relationships" xmlns:p="http://schemas.openxmlformats.org/presentationml/2006/main">
+  <p:cSld>
+    <p:spTree>
+      <p:nvGrpSpPr>
+        <p:cNvPr id="1" name=""/>
+        <p:cNvGrpSpPr/>
+        <p:nvPr/>
+      </p:nvGrpSpPr>
+      <p:grpSpPr>
+        <a:xfrm>
+          <a:off x="0" y="0"/>
+          <a:ext cx="0" cy="0"/>
+          <a:chOff x="0" y="0"/>
+          <a:chExt cx="0" cy="0"/>
+        </a:xfrm>
+      </p:grpSpPr>
+      <p:pic>
+        <p:nvPicPr>
+          <p:cNvPr id="129" name="Google Shape;239;p7"/>
+          <p:cNvPicPr/>
+          <p:nvPr/>
+        </p:nvPicPr>
+        <p:blipFill>
+          <a:blip r:embed="rId3"/>
+          <a:stretch/>
+        </p:blipFill>
+        <p:spPr>
+          <a:xfrm>
+            <a:off x="0" y="1062000"/>
+            <a:ext cx="9143280" cy="107280"/>
+          </a:xfrm>
+          <a:prstGeom prst="rect">
+            <a:avLst/>
+          </a:prstGeom>
+          <a:ln>
+            <a:noFill/>
+          </a:ln>
+        </p:spPr>
+      </p:pic>
+      <p:sp>
+        <p:nvSpPr>
+          <p:cNvPr id="130" name="CustomShape 1"/>
+          <p:cNvSpPr/>
+          <p:nvPr/>
+        </p:nvSpPr>
+        <p:spPr>
+          <a:xfrm>
+            <a:off x="0" y="189000"/>
+            <a:ext cx="8243280" cy="783360"/>
+          </a:xfrm>
+          <a:prstGeom prst="rect">
+            <a:avLst/>
+          </a:prstGeom>
+          <a:noFill/>
+          <a:ln>
+            <a:noFill/>
+          </a:ln>
+        </p:spPr>
+        <p:style>
+          <a:lnRef idx="0">
+            <a:scrgbClr r="0" g="0" b="0"/>
+          </a:lnRef>
+          <a:fillRef idx="0">
+            <a:scrgbClr r="0" g="0" b="0"/>
+          </a:fillRef>
+          <a:effectRef idx="0">
+            <a:scrgbClr r="0" g="0" b="0"/>
+          </a:effectRef>
+          <a:fontRef idx="minor"/>
+        </p:style>
+        <p:txBody>
+          <a:bodyPr lIns="90000" tIns="45000" rIns="90000" bIns="45000" anchor="ctr"/>
+          <a:lstStyle/>
+          <a:p>
+            <a:pPr>
+              <a:lnSpc>
+                <a:spcPct val="100000"/>
+              </a:lnSpc>
+            </a:pPr>
+            <a:r>
+              <a:rPr lang="en-US" sz="2800" b="1" strike="noStrike" spc="-1">
+                <a:solidFill>
+                  <a:srgbClr val="E46C0A"/>
+                </a:solidFill>
+                <a:latin typeface="Calibri"/>
+                <a:ea typeface="Calibri"/>
+              </a:rPr>
+              <a:t>Прототипи інтерфейсу</a:t>
+            </a:r>
+            <a:endParaRPr lang="en-US" sz="2800" b="0" strike="noStrike" spc="-1">
+              <a:latin typeface="Arial"/>
+            </a:endParaRPr>
+          </a:p>
+        </p:txBody>
+      </p:sp>
+      <p:sp>
+        <p:nvSpPr>
+          <p:cNvPr id="131" name="CustomShape 2"/>
+          <p:cNvSpPr/>
+          <p:nvPr/>
+        </p:nvSpPr>
+        <p:spPr>
+          <a:xfrm>
+            <a:off x="8372520" y="189000"/>
+            <a:ext cx="662760" cy="359640"/>
+          </a:xfrm>
+          <a:prstGeom prst="rect">
+            <a:avLst/>
+          </a:prstGeom>
+          <a:gradFill rotWithShape="0">
+            <a:gsLst>
+              <a:gs pos="0">
+                <a:srgbClr val="A3C4FF"/>
+              </a:gs>
+              <a:gs pos="35000">
+                <a:srgbClr val="BFD5FF"/>
+              </a:gs>
+              <a:gs pos="100000">
+                <a:srgbClr val="E5EEFF"/>
+              </a:gs>
+            </a:gsLst>
+            <a:lin ang="16200000"/>
+          </a:gradFill>
+          <a:ln w="9360">
+            <a:solidFill>
+              <a:srgbClr val="4A7EBB"/>
+            </a:solidFill>
+            <a:miter/>
+          </a:ln>
+          <a:effectLst>
+            <a:outerShdw blurRad="63500" dist="38100" dir="5400000">
+              <a:srgbClr val="000000">
+                <a:alpha val="39000"/>
+              </a:srgbClr>
+            </a:outerShdw>
+          </a:effectLst>
+        </p:spPr>
+        <p:style>
+          <a:lnRef idx="0">
+            <a:scrgbClr r="0" g="0" b="0"/>
+          </a:lnRef>
+          <a:fillRef idx="0">
+            <a:scrgbClr r="0" g="0" b="0"/>
+          </a:fillRef>
+          <a:effectRef idx="0">
+            <a:scrgbClr r="0" g="0" b="0"/>
+          </a:effectRef>
+          <a:fontRef idx="minor"/>
+        </p:style>
+        <p:txBody>
+          <a:bodyPr lIns="90000" tIns="45000" rIns="90000" bIns="45000" anchor="ctr"/>
+          <a:lstStyle/>
+          <a:p>
+            <a:pPr algn="ctr">
+              <a:lnSpc>
+                <a:spcPct val="100000"/>
+              </a:lnSpc>
+            </a:pPr>
+            <a:r>
+              <a:rPr lang="en-US" sz="1800" b="1" strike="noStrike" spc="-1">
+                <a:solidFill>
+                  <a:srgbClr val="000000"/>
+                </a:solidFill>
+                <a:latin typeface="Calibri"/>
+                <a:ea typeface="Calibri"/>
+              </a:rPr>
+              <a:t>19</a:t>
+            </a:r>
+            <a:endParaRPr lang="en-US" sz="1800" b="0" strike="noStrike" spc="-1">
+              <a:latin typeface="Arial"/>
+            </a:endParaRPr>
+          </a:p>
+        </p:txBody>
+      </p:sp>
+      <p:sp>
+        <p:nvSpPr>
+          <p:cNvPr id="132" name="CustomShape 3"/>
+          <p:cNvSpPr/>
+          <p:nvPr/>
+        </p:nvSpPr>
+        <p:spPr>
+          <a:xfrm>
+            <a:off x="8372520" y="189000"/>
+            <a:ext cx="662760" cy="359640"/>
+          </a:xfrm>
+          <a:prstGeom prst="rect">
+            <a:avLst/>
+          </a:prstGeom>
+          <a:gradFill rotWithShape="0">
+            <a:gsLst>
+              <a:gs pos="0">
+                <a:srgbClr val="A3C4FF"/>
+              </a:gs>
+              <a:gs pos="35000">
+                <a:srgbClr val="BFD5FF"/>
+              </a:gs>
+              <a:gs pos="100000">
+                <a:srgbClr val="E5EEFF"/>
+              </a:gs>
+            </a:gsLst>
+            <a:lin ang="16200000"/>
+          </a:gradFill>
+          <a:ln w="9360">
+            <a:solidFill>
+              <a:srgbClr val="4A7EBB"/>
+            </a:solidFill>
+            <a:miter/>
+          </a:ln>
+          <a:effectLst>
+            <a:outerShdw blurRad="63500" dist="38100" dir="5400000">
+              <a:srgbClr val="000000">
+                <a:alpha val="39000"/>
+              </a:srgbClr>
+            </a:outerShdw>
+          </a:effectLst>
+        </p:spPr>
+        <p:style>
+          <a:lnRef idx="0">
+            <a:scrgbClr r="0" g="0" b="0"/>
+          </a:lnRef>
+          <a:fillRef idx="0">
+            <a:scrgbClr r="0" g="0" b="0"/>
+          </a:fillRef>
+          <a:effectRef idx="0">
+            <a:scrgbClr r="0" g="0" b="0"/>
+          </a:effectRef>
+          <a:fontRef idx="minor"/>
+        </p:style>
+        <p:txBody>
+          <a:bodyPr lIns="90000" tIns="45000" rIns="90000" bIns="45000" anchor="ctr"/>
+          <a:lstStyle/>
+          <a:p>
+            <a:pPr algn="ctr">
+              <a:lnSpc>
+                <a:spcPct val="100000"/>
+              </a:lnSpc>
+            </a:pPr>
+            <a:r>
+              <a:rPr lang="en-US" sz="1800" b="1" strike="noStrike" spc="-1">
+                <a:solidFill>
+                  <a:srgbClr val="000000"/>
+                </a:solidFill>
+                <a:latin typeface="Calibri"/>
+                <a:ea typeface="Calibri"/>
+              </a:rPr>
+              <a:t>6</a:t>
+            </a:r>
+            <a:endParaRPr lang="en-US" sz="1800" b="0" strike="noStrike" spc="-1">
+              <a:latin typeface="Arial"/>
+            </a:endParaRPr>
+          </a:p>
+        </p:txBody>
+      </p:sp>
+      <p:sp>
+        <p:nvSpPr>
+          <p:cNvPr id="133" name="CustomShape 4"/>
+          <p:cNvSpPr/>
+          <p:nvPr/>
+        </p:nvSpPr>
+        <p:spPr>
+          <a:xfrm>
+            <a:off x="155520" y="-144360"/>
+            <a:ext cx="304200" cy="304200"/>
+          </a:xfrm>
+          <a:prstGeom prst="rect">
+            <a:avLst/>
+          </a:prstGeom>
+          <a:noFill/>
+          <a:ln>
+            <a:noFill/>
+          </a:ln>
+        </p:spPr>
+        <p:style>
+          <a:lnRef idx="0">
+            <a:scrgbClr r="0" g="0" b="0"/>
+          </a:lnRef>
+          <a:fillRef idx="0">
+            <a:scrgbClr r="0" g="0" b="0"/>
+          </a:fillRef>
+          <a:effectRef idx="0">
+            <a:scrgbClr r="0" g="0" b="0"/>
+          </a:effectRef>
+          <a:fontRef idx="minor"/>
+        </p:style>
+      </p:sp>
+      <p:pic>
+        <p:nvPicPr>
+          <p:cNvPr id="3074" name="Picture 2"/>
+          <p:cNvPicPr>
+            <a:picLocks noChangeAspect="1" noChangeArrowheads="1"/>
+          </p:cNvPicPr>
+          <p:nvPr/>
+        </p:nvPicPr>
+        <p:blipFill>
+          <a:blip r:embed="rId4">
+            <a:extLst>
+              <a:ext uri="{28A0092B-C50C-407E-A947-70E740481C1C}">
+                <a14:useLocalDpi xmlns:a14="http://schemas.microsoft.com/office/drawing/2010/main" val="0"/>
+              </a:ext>
+            </a:extLst>
+          </a:blip>
+          <a:srcRect/>
+          <a:stretch>
+            <a:fillRect/>
+          </a:stretch>
+        </p:blipFill>
+        <p:spPr bwMode="auto">
+          <a:xfrm>
+            <a:off x="1457548" y="1556792"/>
+            <a:ext cx="6228184" cy="4422111"/>
+          </a:xfrm>
+          <a:prstGeom prst="rect">
+            <a:avLst/>
+          </a:prstGeom>
+          <a:noFill/>
+          <a:ln>
+            <a:noFill/>
+          </a:ln>
+          <a:extLst>
+            <a:ext uri="{909E8E84-426E-40DD-AFC4-6F175D3DCCD1}">
+              <a14:hiddenFill xmlns:a14="http://schemas.microsoft.com/office/drawing/2010/main">
+                <a:solidFill>
+                  <a:schemeClr val="accent1"/>
+                </a:solidFill>
+              </a14:hiddenFill>
+            </a:ext>
+            <a:ext uri="{91240B29-F687-4F45-9708-019B960494DF}">
+              <a14:hiddenLine xmlns:a14="http://schemas.microsoft.com/office/drawing/2010/main" w="9525">
+                <a:solidFill>
+                  <a:schemeClr val="tx1"/>
+                </a:solidFill>
+                <a:miter lim="800000"/>
+                <a:headEnd/>
+                <a:tailEnd/>
+              </a14:hiddenLine>
+            </a:ext>
+          </a:extLst>
+        </p:spPr>
+      </p:pic>
+    </p:spTree>
+    <p:extLst>
+      <p:ext uri="{BB962C8B-B14F-4D97-AF65-F5344CB8AC3E}">
+        <p14:creationId xmlns:p14="http://schemas.microsoft.com/office/powerpoint/2010/main" val="64698299"/>
+      </p:ext>
+    </p:extLst>
+  </p:cSld>
+  <p:clrMapOvr>
+    <a:masterClrMapping/>
+  </p:clrMapOvr>
+  <p:timing>
+    <p:tnLst>
+      <p:par>
+        <p:cTn id="1" dur="indefinite" restart="never" nodeType="tmRoot">
+          <p:childTnLst>
+            <p:seq>
+              <p:cTn id="2" dur="indefinite" nodeType="mainSeq"/>
+              <p:prevCondLst>
+                <p:cond evt="onPrev" delay="0">
+                  <p:tgtEl>
+                    <p:sldTgt/>
+                  </p:tgtEl>
+                </p:cond>
+              </p:prevCondLst>
+              <p:nextCondLst>
+                <p:cond evt="onNext" delay="0">
+                  <p:tgtEl>
+                    <p:sldTgt/>
+                  </p:tgtEl>
+                </p:cond>
+              </p:nextCondLst>
+            </p:seq>
+          </p:childTnLst>
+        </p:cTn>
+      </p:par>
+    </p:tnLst>
+  </p:timing>
+</p:sld>
+</file>
+
+<file path=ppt/slides/slide11.xml><?xml version="1.0" encoding="utf-8"?>
+<p:sld xmlns:a="http://schemas.openxmlformats.org/drawingml/2006/main" xmlns:r="http://schemas.openxmlformats.org/officeDocument/2006/relationships" xmlns:p="http://schemas.openxmlformats.org/presentationml/2006/main">
+  <p:cSld>
+    <p:spTree>
+      <p:nvGrpSpPr>
+        <p:cNvPr id="1" name=""/>
+        <p:cNvGrpSpPr/>
+        <p:nvPr/>
+      </p:nvGrpSpPr>
+      <p:grpSpPr>
+        <a:xfrm>
+          <a:off x="0" y="0"/>
+          <a:ext cx="0" cy="0"/>
+          <a:chOff x="0" y="0"/>
+          <a:chExt cx="0" cy="0"/>
+        </a:xfrm>
+      </p:grpSpPr>
+      <p:pic>
+        <p:nvPicPr>
+          <p:cNvPr id="135" name="Google Shape;249;p8"/>
+          <p:cNvPicPr/>
+          <p:nvPr/>
+        </p:nvPicPr>
+        <p:blipFill>
+          <a:blip r:embed="rId2"/>
+          <a:stretch/>
+        </p:blipFill>
+        <p:spPr>
+          <a:xfrm>
+            <a:off x="323528" y="1844824"/>
+            <a:ext cx="3956040" cy="2929680"/>
+          </a:xfrm>
+          <a:prstGeom prst="rect">
+            <a:avLst/>
+          </a:prstGeom>
+          <a:ln>
+            <a:noFill/>
+          </a:ln>
+        </p:spPr>
+      </p:pic>
+      <p:sp>
+        <p:nvSpPr>
+          <p:cNvPr id="136" name="CustomShape 1"/>
+          <p:cNvSpPr/>
+          <p:nvPr/>
+        </p:nvSpPr>
+        <p:spPr>
+          <a:xfrm>
+            <a:off x="1115280" y="623160"/>
+            <a:ext cx="7095600" cy="774000"/>
+          </a:xfrm>
+          <a:prstGeom prst="rect">
+            <a:avLst/>
+          </a:prstGeom>
+          <a:noFill/>
+          <a:ln>
+            <a:noFill/>
+          </a:ln>
+        </p:spPr>
+        <p:style>
+          <a:lnRef idx="0">
+            <a:scrgbClr r="0" g="0" b="0"/>
+          </a:lnRef>
+          <a:fillRef idx="0">
+            <a:scrgbClr r="0" g="0" b="0"/>
+          </a:fillRef>
+          <a:effectRef idx="0">
+            <a:scrgbClr r="0" g="0" b="0"/>
+          </a:effectRef>
+          <a:fontRef idx="minor"/>
+        </p:style>
+        <p:txBody>
+          <a:bodyPr lIns="90000" tIns="45000" rIns="90000" bIns="45000"/>
+          <a:lstStyle/>
+          <a:p>
+            <a:pPr algn="ctr">
+              <a:lnSpc>
+                <a:spcPct val="100000"/>
+              </a:lnSpc>
+            </a:pPr>
+            <a:r>
+              <a:rPr lang="en-US" sz="4400" b="1" strike="noStrike" spc="-1">
+                <a:solidFill>
+                  <a:srgbClr val="FFA15D"/>
+                </a:solidFill>
+                <a:latin typeface="Calibri"/>
+                <a:ea typeface="Calibri"/>
+              </a:rPr>
+              <a:t>Дякую за увагу!</a:t>
+            </a:r>
+            <a:endParaRPr lang="en-US" sz="4400" b="0" strike="noStrike" spc="-1">
+              <a:latin typeface="Arial"/>
+            </a:endParaRPr>
+          </a:p>
+          <a:p>
+            <a:pPr algn="ctr">
+              <a:lnSpc>
+                <a:spcPct val="100000"/>
+              </a:lnSpc>
+            </a:pPr>
+            <a:endParaRPr lang="en-US" sz="4400" b="0" strike="noStrike" spc="-1">
+              <a:latin typeface="Arial"/>
+            </a:endParaRPr>
+          </a:p>
+        </p:txBody>
+      </p:sp>
+      <p:sp>
+        <p:nvSpPr>
+          <p:cNvPr id="2" name="TextBox 1"/>
+          <p:cNvSpPr txBox="1"/>
+          <p:nvPr/>
+        </p:nvSpPr>
+        <p:spPr>
+          <a:xfrm>
+            <a:off x="5148064" y="5733256"/>
+            <a:ext cx="3842719" cy="369332"/>
+          </a:xfrm>
+          <a:prstGeom prst="rect">
+            <a:avLst/>
+          </a:prstGeom>
+          <a:noFill/>
+        </p:spPr>
+        <p:txBody>
+          <a:bodyPr wrap="none" rtlCol="0">
+            <a:spAutoFit/>
+          </a:bodyPr>
+          <a:lstStyle/>
+          <a:p>
+            <a:r>
+              <a:rPr lang="en-US" dirty="0" smtClean="0"/>
+              <a:t>Email: NazarKostetskiy@gmail.com</a:t>
+            </a:r>
+            <a:endParaRPr lang="ru-RU" dirty="0"/>
           </a:p>
         </p:txBody>
       </p:sp>
@@ -9905,7 +10636,7 @@
       </p:sp>
       <p:pic>
         <p:nvPicPr>
-          <p:cNvPr id="1026" name="Picture 2"/>
+          <p:cNvPr id="1027" name="Picture 3"/>
           <p:cNvPicPr>
             <a:picLocks noChangeAspect="1" noChangeArrowheads="1"/>
           </p:cNvPicPr>
@@ -9926,8 +10657,8 @@
         </p:blipFill>
         <p:spPr bwMode="auto">
           <a:xfrm>
-            <a:off x="2123728" y="1268760"/>
-            <a:ext cx="5112568" cy="5373794"/>
+            <a:off x="1439900" y="1628800"/>
+            <a:ext cx="6263480" cy="4448780"/>
           </a:xfrm>
           <a:prstGeom prst="rect">
             <a:avLst/>
@@ -9936,7 +10667,6 @@
           <a:ln>
             <a:noFill/>
           </a:ln>
-          <a:effectLst/>
           <a:extLst>
             <a:ext uri="{909E8E84-426E-40DD-AFC4-6F175D3DCCD1}">
               <a14:hiddenFill xmlns:a14="http://schemas.microsoft.com/office/drawing/2010/main">
@@ -9954,15 +10684,6 @@
                 <a:headEnd/>
                 <a:tailEnd/>
               </a14:hiddenLine>
-            </a:ext>
-            <a:ext uri="{AF507438-7753-43E0-B8FC-AC1667EBCBE1}">
-              <a14:hiddenEffects xmlns:a14="http://schemas.microsoft.com/office/drawing/2010/main">
-                <a:effectLst>
-                  <a:outerShdw dist="35921" dir="2700000" algn="ctr" rotWithShape="0">
-                    <a:schemeClr val="bg2"/>
-                  </a:outerShdw>
-                </a:effectLst>
-              </a14:hiddenEffects>
             </a:ext>
           </a:extLst>
         </p:spPr>
@@ -10021,18 +10742,18 @@
       </p:grpSpPr>
       <p:pic>
         <p:nvPicPr>
-          <p:cNvPr id="135" name="Google Shape;249;p8"/>
+          <p:cNvPr id="129" name="Google Shape;239;p7"/>
           <p:cNvPicPr/>
           <p:nvPr/>
         </p:nvPicPr>
         <p:blipFill>
-          <a:blip r:embed="rId2"/>
+          <a:blip r:embed="rId3"/>
           <a:stretch/>
         </p:blipFill>
         <p:spPr>
           <a:xfrm>
-            <a:off x="323528" y="1844824"/>
-            <a:ext cx="3956040" cy="2929680"/>
+            <a:off x="0" y="1062000"/>
+            <a:ext cx="9143280" cy="107280"/>
           </a:xfrm>
           <a:prstGeom prst="rect">
             <a:avLst/>
@@ -10044,14 +10765,14 @@
       </p:pic>
       <p:sp>
         <p:nvSpPr>
-          <p:cNvPr id="136" name="CustomShape 1"/>
+          <p:cNvPr id="130" name="CustomShape 1"/>
           <p:cNvSpPr/>
           <p:nvPr/>
         </p:nvSpPr>
         <p:spPr>
           <a:xfrm>
-            <a:off x="1115280" y="623160"/>
-            <a:ext cx="7095600" cy="774000"/>
+            <a:off x="0" y="189000"/>
+            <a:ext cx="8243280" cy="783360"/>
           </a:xfrm>
           <a:prstGeom prst="rect">
             <a:avLst/>
@@ -10074,71 +10795,280 @@
           <a:fontRef idx="minor"/>
         </p:style>
         <p:txBody>
-          <a:bodyPr lIns="90000" tIns="45000" rIns="90000" bIns="45000"/>
-          <a:lstStyle/>
-          <a:p>
-            <a:pPr algn="ctr">
-              <a:lnSpc>
-                <a:spcPct val="100000"/>
-              </a:lnSpc>
-            </a:pPr>
-            <a:r>
-              <a:rPr lang="en-US" sz="4400" b="1" strike="noStrike" spc="-1">
-                <a:solidFill>
-                  <a:srgbClr val="FFA15D"/>
+          <a:bodyPr lIns="90000" tIns="45000" rIns="90000" bIns="45000" anchor="ctr"/>
+          <a:lstStyle/>
+          <a:p>
+            <a:pPr>
+              <a:lnSpc>
+                <a:spcPct val="100000"/>
+              </a:lnSpc>
+            </a:pPr>
+            <a:r>
+              <a:rPr lang="en-US" sz="2800" b="1" strike="noStrike" spc="-1">
+                <a:solidFill>
+                  <a:srgbClr val="E46C0A"/>
                 </a:solidFill>
                 <a:latin typeface="Calibri"/>
                 <a:ea typeface="Calibri"/>
               </a:rPr>
-              <a:t>Дякую за увагу!</a:t>
-            </a:r>
-            <a:endParaRPr lang="en-US" sz="4400" b="0" strike="noStrike" spc="-1">
-              <a:latin typeface="Arial"/>
-            </a:endParaRPr>
-          </a:p>
+              <a:t>Прототипи інтерфейсу</a:t>
+            </a:r>
+            <a:endParaRPr lang="en-US" sz="2800" b="0" strike="noStrike" spc="-1">
+              <a:latin typeface="Arial"/>
+            </a:endParaRPr>
+          </a:p>
+        </p:txBody>
+      </p:sp>
+      <p:sp>
+        <p:nvSpPr>
+          <p:cNvPr id="131" name="CustomShape 2"/>
+          <p:cNvSpPr/>
+          <p:nvPr/>
+        </p:nvSpPr>
+        <p:spPr>
+          <a:xfrm>
+            <a:off x="8372520" y="189000"/>
+            <a:ext cx="662760" cy="359640"/>
+          </a:xfrm>
+          <a:prstGeom prst="rect">
+            <a:avLst/>
+          </a:prstGeom>
+          <a:gradFill rotWithShape="0">
+            <a:gsLst>
+              <a:gs pos="0">
+                <a:srgbClr val="A3C4FF"/>
+              </a:gs>
+              <a:gs pos="35000">
+                <a:srgbClr val="BFD5FF"/>
+              </a:gs>
+              <a:gs pos="100000">
+                <a:srgbClr val="E5EEFF"/>
+              </a:gs>
+            </a:gsLst>
+            <a:lin ang="16200000"/>
+          </a:gradFill>
+          <a:ln w="9360">
+            <a:solidFill>
+              <a:srgbClr val="4A7EBB"/>
+            </a:solidFill>
+            <a:miter/>
+          </a:ln>
+          <a:effectLst>
+            <a:outerShdw blurRad="63500" dist="38100" dir="5400000">
+              <a:srgbClr val="000000">
+                <a:alpha val="39000"/>
+              </a:srgbClr>
+            </a:outerShdw>
+          </a:effectLst>
+        </p:spPr>
+        <p:style>
+          <a:lnRef idx="0">
+            <a:scrgbClr r="0" g="0" b="0"/>
+          </a:lnRef>
+          <a:fillRef idx="0">
+            <a:scrgbClr r="0" g="0" b="0"/>
+          </a:fillRef>
+          <a:effectRef idx="0">
+            <a:scrgbClr r="0" g="0" b="0"/>
+          </a:effectRef>
+          <a:fontRef idx="minor"/>
+        </p:style>
+        <p:txBody>
+          <a:bodyPr lIns="90000" tIns="45000" rIns="90000" bIns="45000" anchor="ctr"/>
+          <a:lstStyle/>
           <a:p>
             <a:pPr algn="ctr">
               <a:lnSpc>
                 <a:spcPct val="100000"/>
               </a:lnSpc>
             </a:pPr>
-            <a:endParaRPr lang="en-US" sz="4400" b="0" strike="noStrike" spc="-1">
-              <a:latin typeface="Arial"/>
-            </a:endParaRPr>
-          </a:p>
-        </p:txBody>
-      </p:sp>
-      <p:sp>
-        <p:nvSpPr>
-          <p:cNvPr id="2" name="TextBox 1"/>
-          <p:cNvSpPr txBox="1"/>
+            <a:r>
+              <a:rPr lang="en-US" sz="1800" b="1" strike="noStrike" spc="-1">
+                <a:solidFill>
+                  <a:srgbClr val="000000"/>
+                </a:solidFill>
+                <a:latin typeface="Calibri"/>
+                <a:ea typeface="Calibri"/>
+              </a:rPr>
+              <a:t>19</a:t>
+            </a:r>
+            <a:endParaRPr lang="en-US" sz="1800" b="0" strike="noStrike" spc="-1">
+              <a:latin typeface="Arial"/>
+            </a:endParaRPr>
+          </a:p>
+        </p:txBody>
+      </p:sp>
+      <p:sp>
+        <p:nvSpPr>
+          <p:cNvPr id="132" name="CustomShape 3"/>
+          <p:cNvSpPr/>
           <p:nvPr/>
         </p:nvSpPr>
         <p:spPr>
           <a:xfrm>
-            <a:off x="5148064" y="5733256"/>
-            <a:ext cx="3842719" cy="369332"/>
+            <a:off x="8372520" y="189000"/>
+            <a:ext cx="662760" cy="359640"/>
+          </a:xfrm>
+          <a:prstGeom prst="rect">
+            <a:avLst/>
+          </a:prstGeom>
+          <a:gradFill rotWithShape="0">
+            <a:gsLst>
+              <a:gs pos="0">
+                <a:srgbClr val="A3C4FF"/>
+              </a:gs>
+              <a:gs pos="35000">
+                <a:srgbClr val="BFD5FF"/>
+              </a:gs>
+              <a:gs pos="100000">
+                <a:srgbClr val="E5EEFF"/>
+              </a:gs>
+            </a:gsLst>
+            <a:lin ang="16200000"/>
+          </a:gradFill>
+          <a:ln w="9360">
+            <a:solidFill>
+              <a:srgbClr val="4A7EBB"/>
+            </a:solidFill>
+            <a:miter/>
+          </a:ln>
+          <a:effectLst>
+            <a:outerShdw blurRad="63500" dist="38100" dir="5400000">
+              <a:srgbClr val="000000">
+                <a:alpha val="39000"/>
+              </a:srgbClr>
+            </a:outerShdw>
+          </a:effectLst>
+        </p:spPr>
+        <p:style>
+          <a:lnRef idx="0">
+            <a:scrgbClr r="0" g="0" b="0"/>
+          </a:lnRef>
+          <a:fillRef idx="0">
+            <a:scrgbClr r="0" g="0" b="0"/>
+          </a:fillRef>
+          <a:effectRef idx="0">
+            <a:scrgbClr r="0" g="0" b="0"/>
+          </a:effectRef>
+          <a:fontRef idx="minor"/>
+        </p:style>
+        <p:txBody>
+          <a:bodyPr lIns="90000" tIns="45000" rIns="90000" bIns="45000" anchor="ctr"/>
+          <a:lstStyle/>
+          <a:p>
+            <a:pPr algn="ctr">
+              <a:lnSpc>
+                <a:spcPct val="100000"/>
+              </a:lnSpc>
+            </a:pPr>
+            <a:r>
+              <a:rPr lang="en-US" sz="1800" b="1" strike="noStrike" spc="-1">
+                <a:solidFill>
+                  <a:srgbClr val="000000"/>
+                </a:solidFill>
+                <a:latin typeface="Calibri"/>
+                <a:ea typeface="Calibri"/>
+              </a:rPr>
+              <a:t>6</a:t>
+            </a:r>
+            <a:endParaRPr lang="en-US" sz="1800" b="0" strike="noStrike" spc="-1">
+              <a:latin typeface="Arial"/>
+            </a:endParaRPr>
+          </a:p>
+        </p:txBody>
+      </p:sp>
+      <p:sp>
+        <p:nvSpPr>
+          <p:cNvPr id="133" name="CustomShape 4"/>
+          <p:cNvSpPr/>
+          <p:nvPr/>
+        </p:nvSpPr>
+        <p:spPr>
+          <a:xfrm>
+            <a:off x="155520" y="-144360"/>
+            <a:ext cx="304200" cy="304200"/>
           </a:xfrm>
           <a:prstGeom prst="rect">
             <a:avLst/>
           </a:prstGeom>
           <a:noFill/>
-        </p:spPr>
-        <p:txBody>
-          <a:bodyPr wrap="none" rtlCol="0">
-            <a:spAutoFit/>
-          </a:bodyPr>
-          <a:lstStyle/>
-          <a:p>
-            <a:r>
-              <a:rPr lang="en-US" dirty="0" smtClean="0"/>
-              <a:t>Email: NazarKostetskiy@gmail.com</a:t>
-            </a:r>
-            <a:endParaRPr lang="ru-RU" dirty="0"/>
-          </a:p>
-        </p:txBody>
-      </p:sp>
+          <a:ln>
+            <a:noFill/>
+          </a:ln>
+        </p:spPr>
+        <p:style>
+          <a:lnRef idx="0">
+            <a:scrgbClr r="0" g="0" b="0"/>
+          </a:lnRef>
+          <a:fillRef idx="0">
+            <a:scrgbClr r="0" g="0" b="0"/>
+          </a:fillRef>
+          <a:effectRef idx="0">
+            <a:scrgbClr r="0" g="0" b="0"/>
+          </a:effectRef>
+          <a:fontRef idx="minor"/>
+        </p:style>
+      </p:sp>
+      <p:pic>
+        <p:nvPicPr>
+          <p:cNvPr id="2050" name="Picture 2"/>
+          <p:cNvPicPr>
+            <a:picLocks noChangeAspect="1" noChangeArrowheads="1"/>
+          </p:cNvPicPr>
+          <p:nvPr/>
+        </p:nvPicPr>
+        <p:blipFill>
+          <a:blip r:embed="rId4">
+            <a:extLst>
+              <a:ext uri="{28A0092B-C50C-407E-A947-70E740481C1C}">
+                <a14:useLocalDpi xmlns:a14="http://schemas.microsoft.com/office/drawing/2010/main" val="0"/>
+              </a:ext>
+            </a:extLst>
+          </a:blip>
+          <a:srcRect/>
+          <a:stretch>
+            <a:fillRect/>
+          </a:stretch>
+        </p:blipFill>
+        <p:spPr bwMode="auto">
+          <a:xfrm>
+            <a:off x="1702148" y="1628800"/>
+            <a:ext cx="6541132" cy="4599856"/>
+          </a:xfrm>
+          <a:prstGeom prst="rect">
+            <a:avLst/>
+          </a:prstGeom>
+          <a:noFill/>
+          <a:ln>
+            <a:noFill/>
+          </a:ln>
+          <a:extLst>
+            <a:ext uri="{909E8E84-426E-40DD-AFC4-6F175D3DCCD1}">
+              <a14:hiddenFill xmlns:a14="http://schemas.microsoft.com/office/drawing/2010/main">
+                <a:solidFill>
+                  <a:schemeClr val="accent1"/>
+                </a:solidFill>
+              </a14:hiddenFill>
+            </a:ext>
+            <a:ext uri="{91240B29-F687-4F45-9708-019B960494DF}">
+              <a14:hiddenLine xmlns:a14="http://schemas.microsoft.com/office/drawing/2010/main" w="9525">
+                <a:solidFill>
+                  <a:schemeClr val="tx1"/>
+                </a:solidFill>
+                <a:miter lim="800000"/>
+                <a:headEnd/>
+                <a:tailEnd/>
+              </a14:hiddenLine>
+            </a:ext>
+          </a:extLst>
+        </p:spPr>
+      </p:pic>
     </p:spTree>
+    <p:extLst>
+      <p:ext uri="{BB962C8B-B14F-4D97-AF65-F5344CB8AC3E}">
+        <p14:creationId xmlns:p14="http://schemas.microsoft.com/office/powerpoint/2010/main" val="667140364"/>
+      </p:ext>
+    </p:extLst>
   </p:cSld>
   <p:clrMapOvr>
     <a:masterClrMapping/>
